--- a/ReponsAtout.pptx
+++ b/ReponsAtout.pptx
@@ -5,14 +5,15 @@
     <p:sldMasterId id="2147483685" r:id="rId1"/>
   </p:sldMasterIdLst>
   <p:notesMasterIdLst>
-    <p:notesMasterId r:id="rId7"/>
+    <p:notesMasterId r:id="rId8"/>
   </p:notesMasterIdLst>
   <p:sldIdLst>
     <p:sldId id="256" r:id="rId2"/>
     <p:sldId id="257" r:id="rId3"/>
-    <p:sldId id="259" r:id="rId4"/>
-    <p:sldId id="260" r:id="rId5"/>
-    <p:sldId id="261" r:id="rId6"/>
+    <p:sldId id="262" r:id="rId4"/>
+    <p:sldId id="259" r:id="rId5"/>
+    <p:sldId id="260" r:id="rId6"/>
+    <p:sldId id="261" r:id="rId7"/>
   </p:sldIdLst>
   <p:sldSz cx="12192000" cy="6858000"/>
   <p:notesSz cx="6858000" cy="9144000"/>
@@ -1928,131 +1929,19 @@
         <p:spPr>
           <a:xfrm>
             <a:off x="0" y="200026"/>
-            <a:ext cx="9144000" cy="638174"/>
-          </a:xfrm>
-        </p:spPr>
-        <p:txBody>
-          <a:bodyPr/>
-          <a:lstStyle/>
-          <a:p>
-            <a:pPr algn="l"/>
-            <a:r>
-              <a:rPr lang="fr-FR" dirty="0"/>
-              <a:t>	Jour 1 :</a:t>
-            </a:r>
-          </a:p>
-        </p:txBody>
-      </p:sp>
-      <p:sp>
-        <p:nvSpPr>
-          <p:cNvPr id="4" name="ZoneTexte 3">
-            <a:extLst>
-              <a:ext uri="{FF2B5EF4-FFF2-40B4-BE49-F238E27FC236}">
-                <a16:creationId xmlns:a16="http://schemas.microsoft.com/office/drawing/2014/main" id="{50DA0223-27B6-4065-B532-125DC7631E9D}"/>
-              </a:ext>
-            </a:extLst>
-          </p:cNvPr>
-          <p:cNvSpPr txBox="1"/>
-          <p:nvPr/>
-        </p:nvSpPr>
-        <p:spPr>
-          <a:xfrm>
-            <a:off x="866775" y="1371600"/>
-            <a:ext cx="10734675" cy="4247317"/>
-          </a:xfrm>
-          <a:prstGeom prst="rect">
-            <a:avLst/>
-          </a:prstGeom>
-          <a:noFill/>
-        </p:spPr>
-        <p:txBody>
-          <a:bodyPr wrap="square" rtlCol="0">
-            <a:spAutoFit/>
+            <a:ext cx="10267950" cy="638174"/>
+          </a:xfrm>
+        </p:spPr>
+        <p:txBody>
+          <a:bodyPr>
+            <a:normAutofit fontScale="90000"/>
           </a:bodyPr>
           <a:lstStyle/>
           <a:p>
+            <a:pPr algn="l"/>
             <a:r>
               <a:rPr lang="fr-FR" dirty="0"/>
-              <a:t>Objectif : Mise en place d’un premier système permettant d’échanger avec un client et le renouveler pour communiquer à nouveau.</a:t>
-            </a:r>
-          </a:p>
-          <a:p>
-            <a:endParaRPr lang="fr-FR" dirty="0"/>
-          </a:p>
-          <a:p>
-            <a:pPr marL="285750" indent="-285750">
-              <a:buFontTx/>
-              <a:buChar char="-"/>
-            </a:pPr>
-            <a:r>
-              <a:rPr lang="fr-FR" dirty="0"/>
-              <a:t>Pour ce faire, on établira des séries de tests définis en amont afin de répondre aux exigences     projet.</a:t>
-            </a:r>
-          </a:p>
-          <a:p>
-            <a:pPr marL="285750" indent="-285750">
-              <a:buFontTx/>
-              <a:buChar char="-"/>
-            </a:pPr>
-            <a:endParaRPr lang="fr-FR" dirty="0"/>
-          </a:p>
-          <a:p>
-            <a:pPr marL="285750" indent="-285750">
-              <a:buFontTx/>
-              <a:buChar char="-"/>
-            </a:pPr>
-            <a:endParaRPr lang="fr-FR" dirty="0"/>
-          </a:p>
-          <a:p>
-            <a:pPr marL="285750" indent="-285750">
-              <a:buFontTx/>
-              <a:buChar char="-"/>
-            </a:pPr>
-            <a:endParaRPr lang="fr-FR" dirty="0"/>
-          </a:p>
-          <a:p>
-            <a:pPr marL="285750" indent="-285750">
-              <a:buFontTx/>
-              <a:buChar char="-"/>
-            </a:pPr>
-            <a:endParaRPr lang="fr-FR" dirty="0"/>
-          </a:p>
-          <a:p>
-            <a:pPr marL="285750" indent="-285750">
-              <a:buFontTx/>
-              <a:buChar char="-"/>
-            </a:pPr>
-            <a:endParaRPr lang="fr-FR" dirty="0"/>
-          </a:p>
-          <a:p>
-            <a:pPr marL="285750" indent="-285750">
-              <a:buFontTx/>
-              <a:buChar char="-"/>
-            </a:pPr>
-            <a:endParaRPr lang="fr-FR" dirty="0"/>
-          </a:p>
-          <a:p>
-            <a:pPr marL="285750" indent="-285750">
-              <a:buFontTx/>
-              <a:buChar char="-"/>
-            </a:pPr>
-            <a:endParaRPr lang="fr-FR" dirty="0"/>
-          </a:p>
-          <a:p>
-            <a:pPr marL="285750" indent="-285750">
-              <a:buFontTx/>
-              <a:buChar char="-"/>
-            </a:pPr>
-            <a:endParaRPr lang="fr-FR" dirty="0"/>
-          </a:p>
-          <a:p>
-            <a:pPr marL="285750" indent="-285750">
-              <a:buFontTx/>
-              <a:buChar char="-"/>
-            </a:pPr>
-            <a:r>
-              <a:rPr lang="fr-FR" dirty="0"/>
-              <a:t>Fin de la journée :  Envoi d’un compte-rendu à notre client comprenant l’avancement du projet ainsi que les prochaines étapes ainsi qu’une réunion avec l’équipe de développement.</a:t>
+              <a:t>	Présentation de l’équipe:</a:t>
             </a:r>
           </a:p>
         </p:txBody>
@@ -2086,58 +1975,99 @@
           </a:p>
         </p:txBody>
       </p:sp>
-      <p:sp>
-        <p:nvSpPr>
-          <p:cNvPr id="7" name="Ellipse 6">
-            <a:extLst>
-              <a:ext uri="{FF2B5EF4-FFF2-40B4-BE49-F238E27FC236}">
-                <a16:creationId xmlns:a16="http://schemas.microsoft.com/office/drawing/2014/main" id="{E116E1E7-F11A-4AE4-A5E2-AC23991B4BCA}"/>
-              </a:ext>
-            </a:extLst>
-          </p:cNvPr>
-          <p:cNvSpPr/>
+      <p:pic>
+        <p:nvPicPr>
+          <p:cNvPr id="13" name="Image 12">
+            <a:extLst>
+              <a:ext uri="{FF2B5EF4-FFF2-40B4-BE49-F238E27FC236}">
+                <a16:creationId xmlns:a16="http://schemas.microsoft.com/office/drawing/2014/main" id="{D5A33E7D-674F-467B-B3FF-99DBF5E87707}"/>
+              </a:ext>
+            </a:extLst>
+          </p:cNvPr>
+          <p:cNvPicPr>
+            <a:picLocks noChangeAspect="1"/>
+          </p:cNvPicPr>
           <p:nvPr/>
-        </p:nvSpPr>
-        <p:spPr>
-          <a:xfrm>
-            <a:off x="7038977" y="3228974"/>
-            <a:ext cx="1495425" cy="942975"/>
-          </a:xfrm>
-          <a:prstGeom prst="ellipse">
-            <a:avLst/>
-          </a:prstGeom>
-        </p:spPr>
-        <p:style>
-          <a:lnRef idx="2">
-            <a:schemeClr val="accent1">
-              <a:shade val="50000"/>
-            </a:schemeClr>
-          </a:lnRef>
-          <a:fillRef idx="1">
-            <a:schemeClr val="accent1"/>
-          </a:fillRef>
-          <a:effectRef idx="0">
-            <a:schemeClr val="accent1"/>
-          </a:effectRef>
-          <a:fontRef idx="minor">
-            <a:schemeClr val="lt1"/>
-          </a:fontRef>
-        </p:style>
-        <p:txBody>
-          <a:bodyPr rtlCol="0" anchor="ctr"/>
-          <a:lstStyle/>
-          <a:p>
-            <a:pPr algn="ctr"/>
-            <a:endParaRPr lang="fr-FR"/>
-          </a:p>
-        </p:txBody>
-      </p:sp>
-      <p:sp>
-        <p:nvSpPr>
-          <p:cNvPr id="8" name="ZoneTexte 7">
-            <a:extLst>
-              <a:ext uri="{FF2B5EF4-FFF2-40B4-BE49-F238E27FC236}">
-                <a16:creationId xmlns:a16="http://schemas.microsoft.com/office/drawing/2014/main" id="{ED78A963-13A0-4462-AEDB-C28641A64F60}"/>
+        </p:nvPicPr>
+        <p:blipFill rotWithShape="1">
+          <a:blip r:embed="rId2"/>
+          <a:srcRect l="5556" t="4876" r="1"/>
+          <a:stretch/>
+        </p:blipFill>
+        <p:spPr>
+          <a:xfrm>
+            <a:off x="1974850" y="2046922"/>
+            <a:ext cx="1079500" cy="1821179"/>
+          </a:xfrm>
+          <a:prstGeom prst="rect">
+            <a:avLst/>
+          </a:prstGeom>
+        </p:spPr>
+      </p:pic>
+      <p:pic>
+        <p:nvPicPr>
+          <p:cNvPr id="14" name="Image 13">
+            <a:extLst>
+              <a:ext uri="{FF2B5EF4-FFF2-40B4-BE49-F238E27FC236}">
+                <a16:creationId xmlns:a16="http://schemas.microsoft.com/office/drawing/2014/main" id="{3F3FBBD2-042D-4C44-A8E1-87C950838FC7}"/>
+              </a:ext>
+            </a:extLst>
+          </p:cNvPr>
+          <p:cNvPicPr>
+            <a:picLocks noChangeAspect="1"/>
+          </p:cNvPicPr>
+          <p:nvPr/>
+        </p:nvPicPr>
+        <p:blipFill rotWithShape="1">
+          <a:blip r:embed="rId3"/>
+          <a:srcRect t="3366" b="3366"/>
+          <a:stretch/>
+        </p:blipFill>
+        <p:spPr>
+          <a:xfrm>
+            <a:off x="5537200" y="2046923"/>
+            <a:ext cx="1104900" cy="1821179"/>
+          </a:xfrm>
+          <a:prstGeom prst="rect">
+            <a:avLst/>
+          </a:prstGeom>
+        </p:spPr>
+      </p:pic>
+      <p:pic>
+        <p:nvPicPr>
+          <p:cNvPr id="15" name="Image 14">
+            <a:extLst>
+              <a:ext uri="{FF2B5EF4-FFF2-40B4-BE49-F238E27FC236}">
+                <a16:creationId xmlns:a16="http://schemas.microsoft.com/office/drawing/2014/main" id="{6D91E612-F120-4A3F-92DB-EE3A17E9816E}"/>
+              </a:ext>
+            </a:extLst>
+          </p:cNvPr>
+          <p:cNvPicPr>
+            <a:picLocks noChangeAspect="1"/>
+          </p:cNvPicPr>
+          <p:nvPr/>
+        </p:nvPicPr>
+        <p:blipFill rotWithShape="1">
+          <a:blip r:embed="rId4"/>
+          <a:srcRect t="3450" b="4700"/>
+          <a:stretch/>
+        </p:blipFill>
+        <p:spPr>
+          <a:xfrm>
+            <a:off x="9124950" y="2046922"/>
+            <a:ext cx="1143000" cy="1749743"/>
+          </a:xfrm>
+          <a:prstGeom prst="rect">
+            <a:avLst/>
+          </a:prstGeom>
+        </p:spPr>
+      </p:pic>
+      <p:sp>
+        <p:nvSpPr>
+          <p:cNvPr id="16" name="ZoneTexte 15">
+            <a:extLst>
+              <a:ext uri="{FF2B5EF4-FFF2-40B4-BE49-F238E27FC236}">
+                <a16:creationId xmlns:a16="http://schemas.microsoft.com/office/drawing/2014/main" id="{DAB1C83E-DBE6-41E4-A3FE-2F1B837033B8}"/>
               </a:ext>
             </a:extLst>
           </p:cNvPr>
@@ -2146,8 +2076,8 @@
         </p:nvSpPr>
         <p:spPr>
           <a:xfrm>
-            <a:off x="7319964" y="3515795"/>
-            <a:ext cx="933450" cy="369332"/>
+            <a:off x="1355090" y="4131945"/>
+            <a:ext cx="2387600" cy="923330"/>
           </a:xfrm>
           <a:prstGeom prst="rect">
             <a:avLst/>
@@ -2160,69 +2090,27 @@
           </a:bodyPr>
           <a:lstStyle/>
           <a:p>
-            <a:r>
-              <a:rPr lang="fr-FR" dirty="0">
-                <a:solidFill>
-                  <a:schemeClr val="bg1"/>
-                </a:solidFill>
-              </a:rPr>
-              <a:t>Client</a:t>
-            </a:r>
-          </a:p>
-        </p:txBody>
-      </p:sp>
-      <p:sp>
-        <p:nvSpPr>
-          <p:cNvPr id="9" name="Rectangle 8">
-            <a:extLst>
-              <a:ext uri="{FF2B5EF4-FFF2-40B4-BE49-F238E27FC236}">
-                <a16:creationId xmlns:a16="http://schemas.microsoft.com/office/drawing/2014/main" id="{DF3E706F-A7B0-4929-B3A4-048AAF39F633}"/>
-              </a:ext>
-            </a:extLst>
-          </p:cNvPr>
-          <p:cNvSpPr/>
-          <p:nvPr/>
-        </p:nvSpPr>
-        <p:spPr>
-          <a:xfrm>
-            <a:off x="1895475" y="3124200"/>
-            <a:ext cx="1762125" cy="1200150"/>
-          </a:xfrm>
-          <a:prstGeom prst="rect">
-            <a:avLst/>
-          </a:prstGeom>
-        </p:spPr>
-        <p:style>
-          <a:lnRef idx="2">
-            <a:schemeClr val="accent1">
-              <a:shade val="50000"/>
-            </a:schemeClr>
-          </a:lnRef>
-          <a:fillRef idx="1">
-            <a:schemeClr val="accent1"/>
-          </a:fillRef>
-          <a:effectRef idx="0">
-            <a:schemeClr val="accent1"/>
-          </a:effectRef>
-          <a:fontRef idx="minor">
-            <a:schemeClr val="lt1"/>
-          </a:fontRef>
-        </p:style>
-        <p:txBody>
-          <a:bodyPr rtlCol="0" anchor="ctr"/>
-          <a:lstStyle/>
-          <a:p>
             <a:pPr algn="ctr"/>
-            <a:endParaRPr lang="fr-FR"/>
-          </a:p>
-        </p:txBody>
-      </p:sp>
-      <p:sp>
-        <p:nvSpPr>
-          <p:cNvPr id="10" name="ZoneTexte 9">
-            <a:extLst>
-              <a:ext uri="{FF2B5EF4-FFF2-40B4-BE49-F238E27FC236}">
-                <a16:creationId xmlns:a16="http://schemas.microsoft.com/office/drawing/2014/main" id="{619E8CE1-A2BB-4410-A4FE-41A9A625FB9F}"/>
+            <a:r>
+              <a:rPr lang="fr-FR" dirty="0"/>
+              <a:t>Eva Joly</a:t>
+            </a:r>
+          </a:p>
+          <a:p>
+            <a:pPr algn="ctr"/>
+            <a:r>
+              <a:rPr lang="fr-FR" dirty="0"/>
+              <a:t>Responsable commerciale</a:t>
+            </a:r>
+          </a:p>
+        </p:txBody>
+      </p:sp>
+      <p:sp>
+        <p:nvSpPr>
+          <p:cNvPr id="17" name="ZoneTexte 16">
+            <a:extLst>
+              <a:ext uri="{FF2B5EF4-FFF2-40B4-BE49-F238E27FC236}">
+                <a16:creationId xmlns:a16="http://schemas.microsoft.com/office/drawing/2014/main" id="{08A43209-D9A5-4896-9916-3FDA79CCA964}"/>
               </a:ext>
             </a:extLst>
           </p:cNvPr>
@@ -2231,8 +2119,8 @@
         </p:nvSpPr>
         <p:spPr>
           <a:xfrm>
-            <a:off x="2309812" y="3515796"/>
-            <a:ext cx="1023938" cy="369332"/>
+            <a:off x="4895850" y="4131945"/>
+            <a:ext cx="2387600" cy="646331"/>
           </a:xfrm>
           <a:prstGeom prst="rect">
             <a:avLst/>
@@ -2245,57 +2133,64 @@
           </a:bodyPr>
           <a:lstStyle/>
           <a:p>
-            <a:r>
-              <a:rPr lang="fr-FR" dirty="0">
-                <a:solidFill>
-                  <a:schemeClr val="bg1"/>
-                </a:solidFill>
-              </a:rPr>
-              <a:t>Serveur</a:t>
-            </a:r>
-          </a:p>
-        </p:txBody>
-      </p:sp>
-      <p:cxnSp>
-        <p:nvCxnSpPr>
-          <p:cNvPr id="12" name="Connecteur droit avec flèche 11">
-            <a:extLst>
-              <a:ext uri="{FF2B5EF4-FFF2-40B4-BE49-F238E27FC236}">
-                <a16:creationId xmlns:a16="http://schemas.microsoft.com/office/drawing/2014/main" id="{D17AF505-388A-43B0-934B-7667183E4498}"/>
-              </a:ext>
-            </a:extLst>
-          </p:cNvPr>
-          <p:cNvCxnSpPr/>
+            <a:pPr algn="ctr"/>
+            <a:r>
+              <a:rPr lang="fr-FR" dirty="0"/>
+              <a:t>Alexis Mainard</a:t>
+            </a:r>
+          </a:p>
+          <a:p>
+            <a:pPr algn="ctr"/>
+            <a:r>
+              <a:rPr lang="fr-FR" dirty="0"/>
+              <a:t>Architecte software</a:t>
+            </a:r>
+          </a:p>
+        </p:txBody>
+      </p:sp>
+      <p:sp>
+        <p:nvSpPr>
+          <p:cNvPr id="18" name="ZoneTexte 17">
+            <a:extLst>
+              <a:ext uri="{FF2B5EF4-FFF2-40B4-BE49-F238E27FC236}">
+                <a16:creationId xmlns:a16="http://schemas.microsoft.com/office/drawing/2014/main" id="{092A16A1-392C-4B60-9B36-D2B33C8E4B0A}"/>
+              </a:ext>
+            </a:extLst>
+          </p:cNvPr>
+          <p:cNvSpPr txBox="1"/>
           <p:nvPr/>
-        </p:nvCxnSpPr>
-        <p:spPr>
-          <a:xfrm>
-            <a:off x="3790950" y="3700461"/>
-            <a:ext cx="3181350" cy="0"/>
-          </a:xfrm>
-          <a:prstGeom prst="straightConnector1">
-            <a:avLst/>
-          </a:prstGeom>
-          <a:ln w="38100">
-            <a:headEnd type="triangle"/>
-            <a:tailEnd type="triangle"/>
-          </a:ln>
-        </p:spPr>
-        <p:style>
-          <a:lnRef idx="1">
-            <a:schemeClr val="accent1"/>
-          </a:lnRef>
-          <a:fillRef idx="0">
-            <a:schemeClr val="accent1"/>
-          </a:fillRef>
-          <a:effectRef idx="0">
-            <a:schemeClr val="accent1"/>
-          </a:effectRef>
-          <a:fontRef idx="minor">
-            <a:schemeClr val="tx1"/>
-          </a:fontRef>
-        </p:style>
-      </p:cxnSp>
+        </p:nvSpPr>
+        <p:spPr>
+          <a:xfrm>
+            <a:off x="8436610" y="4131945"/>
+            <a:ext cx="2387600" cy="923330"/>
+          </a:xfrm>
+          <a:prstGeom prst="rect">
+            <a:avLst/>
+          </a:prstGeom>
+          <a:noFill/>
+        </p:spPr>
+        <p:txBody>
+          <a:bodyPr wrap="square" rtlCol="0">
+            <a:spAutoFit/>
+          </a:bodyPr>
+          <a:lstStyle/>
+          <a:p>
+            <a:pPr algn="ctr"/>
+            <a:r>
+              <a:rPr lang="fr-FR" dirty="0"/>
+              <a:t>Matteo Menini</a:t>
+            </a:r>
+          </a:p>
+          <a:p>
+            <a:pPr algn="ctr"/>
+            <a:r>
+              <a:rPr lang="fr-FR" dirty="0"/>
+              <a:t>Chef de projet / Admin système</a:t>
+            </a:r>
+          </a:p>
+        </p:txBody>
+      </p:sp>
     </p:spTree>
     <p:extLst>
       <p:ext uri="{BB962C8B-B14F-4D97-AF65-F5344CB8AC3E}">
@@ -2355,7 +2250,7 @@
             <a:pPr algn="l"/>
             <a:r>
               <a:rPr lang="fr-FR" dirty="0"/>
-              <a:t>	Jour 2 :</a:t>
+              <a:t>	Jour 1 :</a:t>
             </a:r>
           </a:p>
         </p:txBody>
@@ -2374,8 +2269,8 @@
         </p:nvSpPr>
         <p:spPr>
           <a:xfrm>
-            <a:off x="728662" y="1028343"/>
-            <a:ext cx="10734675" cy="4801314"/>
+            <a:off x="866775" y="1371600"/>
+            <a:ext cx="10734675" cy="4247317"/>
           </a:xfrm>
           <a:prstGeom prst="rect">
             <a:avLst/>
@@ -2390,7 +2285,7 @@
           <a:p>
             <a:r>
               <a:rPr lang="fr-FR" dirty="0"/>
-              <a:t>Objectif : Amélioration du système afin de générer plusieurs clients au même moment.</a:t>
+              <a:t>Objectif : Mise en place d’un premier système permettant d’échanger avec un client et le renouveler pour communiquer à nouveau.</a:t>
             </a:r>
           </a:p>
           <a:p>
@@ -2403,7 +2298,7 @@
             </a:pPr>
             <a:r>
               <a:rPr lang="fr-FR" dirty="0"/>
-              <a:t>Pour ce faire, on établira des séries de tests définis en amont afin de répondre aux exigences     projet.</a:t>
+              <a:t>Pour ce faire, on établira des séries de tests définies en amont afin de répondre aux exigences     projet.</a:t>
             </a:r>
           </a:p>
           <a:p>
@@ -2467,27 +2362,6 @@
               <a:buFontTx/>
               <a:buChar char="-"/>
             </a:pPr>
-            <a:endParaRPr lang="fr-FR" dirty="0"/>
-          </a:p>
-          <a:p>
-            <a:pPr marL="285750" indent="-285750">
-              <a:buFontTx/>
-              <a:buChar char="-"/>
-            </a:pPr>
-            <a:endParaRPr lang="fr-FR" dirty="0"/>
-          </a:p>
-          <a:p>
-            <a:pPr marL="285750" indent="-285750">
-              <a:buFontTx/>
-              <a:buChar char="-"/>
-            </a:pPr>
-            <a:endParaRPr lang="fr-FR" dirty="0"/>
-          </a:p>
-          <a:p>
-            <a:pPr marL="285750" indent="-285750">
-              <a:buFontTx/>
-              <a:buChar char="-"/>
-            </a:pPr>
             <a:r>
               <a:rPr lang="fr-FR" dirty="0"/>
               <a:t>Fin de la journée :  Envoi d’un compte-rendu à notre client comprenant l’avancement du projet ainsi que les prochaines étapes ainsi qu’une réunion avec l’équipe de développement.</a:t>
@@ -2497,10 +2371,10 @@
       </p:sp>
       <p:sp>
         <p:nvSpPr>
-          <p:cNvPr id="5" name="Espace réservé du numéro de diapositive 4">
-            <a:extLst>
-              <a:ext uri="{FF2B5EF4-FFF2-40B4-BE49-F238E27FC236}">
-                <a16:creationId xmlns:a16="http://schemas.microsoft.com/office/drawing/2014/main" id="{0ECB3784-0B6C-4003-8121-2348365C4F09}"/>
+          <p:cNvPr id="6" name="Espace réservé du numéro de diapositive 5">
+            <a:extLst>
+              <a:ext uri="{FF2B5EF4-FFF2-40B4-BE49-F238E27FC236}">
+                <a16:creationId xmlns:a16="http://schemas.microsoft.com/office/drawing/2014/main" id="{B4B32004-FE61-455C-A14A-B734E299175A}"/>
               </a:ext>
             </a:extLst>
           </p:cNvPr>
@@ -2519,6 +2393,444 @@
             <a:fld id="{B9EAB3BA-07EE-4B64-A177-47C30D775877}" type="slidenum">
               <a:rPr lang="en-US" smtClean="0"/>
               <a:t>3</a:t>
+            </a:fld>
+            <a:endParaRPr lang="en-US"/>
+          </a:p>
+        </p:txBody>
+      </p:sp>
+      <p:sp>
+        <p:nvSpPr>
+          <p:cNvPr id="7" name="Ellipse 6">
+            <a:extLst>
+              <a:ext uri="{FF2B5EF4-FFF2-40B4-BE49-F238E27FC236}">
+                <a16:creationId xmlns:a16="http://schemas.microsoft.com/office/drawing/2014/main" id="{E116E1E7-F11A-4AE4-A5E2-AC23991B4BCA}"/>
+              </a:ext>
+            </a:extLst>
+          </p:cNvPr>
+          <p:cNvSpPr/>
+          <p:nvPr/>
+        </p:nvSpPr>
+        <p:spPr>
+          <a:xfrm>
+            <a:off x="7038977" y="3228974"/>
+            <a:ext cx="1495425" cy="942975"/>
+          </a:xfrm>
+          <a:prstGeom prst="ellipse">
+            <a:avLst/>
+          </a:prstGeom>
+        </p:spPr>
+        <p:style>
+          <a:lnRef idx="2">
+            <a:schemeClr val="accent1">
+              <a:shade val="50000"/>
+            </a:schemeClr>
+          </a:lnRef>
+          <a:fillRef idx="1">
+            <a:schemeClr val="accent1"/>
+          </a:fillRef>
+          <a:effectRef idx="0">
+            <a:schemeClr val="accent1"/>
+          </a:effectRef>
+          <a:fontRef idx="minor">
+            <a:schemeClr val="lt1"/>
+          </a:fontRef>
+        </p:style>
+        <p:txBody>
+          <a:bodyPr rtlCol="0" anchor="ctr"/>
+          <a:lstStyle/>
+          <a:p>
+            <a:pPr algn="ctr"/>
+            <a:endParaRPr lang="fr-FR"/>
+          </a:p>
+        </p:txBody>
+      </p:sp>
+      <p:sp>
+        <p:nvSpPr>
+          <p:cNvPr id="8" name="ZoneTexte 7">
+            <a:extLst>
+              <a:ext uri="{FF2B5EF4-FFF2-40B4-BE49-F238E27FC236}">
+                <a16:creationId xmlns:a16="http://schemas.microsoft.com/office/drawing/2014/main" id="{ED78A963-13A0-4462-AEDB-C28641A64F60}"/>
+              </a:ext>
+            </a:extLst>
+          </p:cNvPr>
+          <p:cNvSpPr txBox="1"/>
+          <p:nvPr/>
+        </p:nvSpPr>
+        <p:spPr>
+          <a:xfrm>
+            <a:off x="7319964" y="3515795"/>
+            <a:ext cx="933450" cy="369332"/>
+          </a:xfrm>
+          <a:prstGeom prst="rect">
+            <a:avLst/>
+          </a:prstGeom>
+          <a:noFill/>
+        </p:spPr>
+        <p:txBody>
+          <a:bodyPr wrap="square" rtlCol="0">
+            <a:spAutoFit/>
+          </a:bodyPr>
+          <a:lstStyle/>
+          <a:p>
+            <a:r>
+              <a:rPr lang="fr-FR" dirty="0">
+                <a:solidFill>
+                  <a:schemeClr val="bg1"/>
+                </a:solidFill>
+              </a:rPr>
+              <a:t>Client</a:t>
+            </a:r>
+          </a:p>
+        </p:txBody>
+      </p:sp>
+      <p:sp>
+        <p:nvSpPr>
+          <p:cNvPr id="9" name="Rectangle 8">
+            <a:extLst>
+              <a:ext uri="{FF2B5EF4-FFF2-40B4-BE49-F238E27FC236}">
+                <a16:creationId xmlns:a16="http://schemas.microsoft.com/office/drawing/2014/main" id="{DF3E706F-A7B0-4929-B3A4-048AAF39F633}"/>
+              </a:ext>
+            </a:extLst>
+          </p:cNvPr>
+          <p:cNvSpPr/>
+          <p:nvPr/>
+        </p:nvSpPr>
+        <p:spPr>
+          <a:xfrm>
+            <a:off x="1895475" y="3124200"/>
+            <a:ext cx="1762125" cy="1200150"/>
+          </a:xfrm>
+          <a:prstGeom prst="rect">
+            <a:avLst/>
+          </a:prstGeom>
+        </p:spPr>
+        <p:style>
+          <a:lnRef idx="2">
+            <a:schemeClr val="accent1">
+              <a:shade val="50000"/>
+            </a:schemeClr>
+          </a:lnRef>
+          <a:fillRef idx="1">
+            <a:schemeClr val="accent1"/>
+          </a:fillRef>
+          <a:effectRef idx="0">
+            <a:schemeClr val="accent1"/>
+          </a:effectRef>
+          <a:fontRef idx="minor">
+            <a:schemeClr val="lt1"/>
+          </a:fontRef>
+        </p:style>
+        <p:txBody>
+          <a:bodyPr rtlCol="0" anchor="ctr"/>
+          <a:lstStyle/>
+          <a:p>
+            <a:pPr algn="ctr"/>
+            <a:endParaRPr lang="fr-FR"/>
+          </a:p>
+        </p:txBody>
+      </p:sp>
+      <p:sp>
+        <p:nvSpPr>
+          <p:cNvPr id="10" name="ZoneTexte 9">
+            <a:extLst>
+              <a:ext uri="{FF2B5EF4-FFF2-40B4-BE49-F238E27FC236}">
+                <a16:creationId xmlns:a16="http://schemas.microsoft.com/office/drawing/2014/main" id="{619E8CE1-A2BB-4410-A4FE-41A9A625FB9F}"/>
+              </a:ext>
+            </a:extLst>
+          </p:cNvPr>
+          <p:cNvSpPr txBox="1"/>
+          <p:nvPr/>
+        </p:nvSpPr>
+        <p:spPr>
+          <a:xfrm>
+            <a:off x="2309812" y="3515796"/>
+            <a:ext cx="1023938" cy="369332"/>
+          </a:xfrm>
+          <a:prstGeom prst="rect">
+            <a:avLst/>
+          </a:prstGeom>
+          <a:noFill/>
+        </p:spPr>
+        <p:txBody>
+          <a:bodyPr wrap="square" rtlCol="0">
+            <a:spAutoFit/>
+          </a:bodyPr>
+          <a:lstStyle/>
+          <a:p>
+            <a:r>
+              <a:rPr lang="fr-FR" dirty="0">
+                <a:solidFill>
+                  <a:schemeClr val="bg1"/>
+                </a:solidFill>
+              </a:rPr>
+              <a:t>Serveur</a:t>
+            </a:r>
+          </a:p>
+        </p:txBody>
+      </p:sp>
+      <p:cxnSp>
+        <p:nvCxnSpPr>
+          <p:cNvPr id="12" name="Connecteur droit avec flèche 11">
+            <a:extLst>
+              <a:ext uri="{FF2B5EF4-FFF2-40B4-BE49-F238E27FC236}">
+                <a16:creationId xmlns:a16="http://schemas.microsoft.com/office/drawing/2014/main" id="{D17AF505-388A-43B0-934B-7667183E4498}"/>
+              </a:ext>
+            </a:extLst>
+          </p:cNvPr>
+          <p:cNvCxnSpPr/>
+          <p:nvPr/>
+        </p:nvCxnSpPr>
+        <p:spPr>
+          <a:xfrm>
+            <a:off x="3790950" y="3700461"/>
+            <a:ext cx="3181350" cy="0"/>
+          </a:xfrm>
+          <a:prstGeom prst="straightConnector1">
+            <a:avLst/>
+          </a:prstGeom>
+          <a:ln w="38100">
+            <a:headEnd type="triangle"/>
+            <a:tailEnd type="triangle"/>
+          </a:ln>
+        </p:spPr>
+        <p:style>
+          <a:lnRef idx="1">
+            <a:schemeClr val="accent1"/>
+          </a:lnRef>
+          <a:fillRef idx="0">
+            <a:schemeClr val="accent1"/>
+          </a:fillRef>
+          <a:effectRef idx="0">
+            <a:schemeClr val="accent1"/>
+          </a:effectRef>
+          <a:fontRef idx="minor">
+            <a:schemeClr val="tx1"/>
+          </a:fontRef>
+        </p:style>
+      </p:cxnSp>
+    </p:spTree>
+    <p:extLst>
+      <p:ext uri="{BB962C8B-B14F-4D97-AF65-F5344CB8AC3E}">
+        <p14:creationId xmlns:p14="http://schemas.microsoft.com/office/powerpoint/2010/main" val="604775608"/>
+      </p:ext>
+    </p:extLst>
+  </p:cSld>
+  <p:clrMapOvr>
+    <a:masterClrMapping/>
+  </p:clrMapOvr>
+</p:sld>
+</file>
+
+<file path=ppt/slides/slide4.xml><?xml version="1.0" encoding="utf-8"?>
+<p:sld xmlns:a="http://schemas.openxmlformats.org/drawingml/2006/main" xmlns:r="http://schemas.openxmlformats.org/officeDocument/2006/relationships" xmlns:p="http://schemas.openxmlformats.org/presentationml/2006/main">
+  <p:cSld>
+    <p:spTree>
+      <p:nvGrpSpPr>
+        <p:cNvPr id="1" name=""/>
+        <p:cNvGrpSpPr/>
+        <p:nvPr/>
+      </p:nvGrpSpPr>
+      <p:grpSpPr>
+        <a:xfrm>
+          <a:off x="0" y="0"/>
+          <a:ext cx="0" cy="0"/>
+          <a:chOff x="0" y="0"/>
+          <a:chExt cx="0" cy="0"/>
+        </a:xfrm>
+      </p:grpSpPr>
+      <p:sp>
+        <p:nvSpPr>
+          <p:cNvPr id="2" name="Titre 1">
+            <a:extLst>
+              <a:ext uri="{FF2B5EF4-FFF2-40B4-BE49-F238E27FC236}">
+                <a16:creationId xmlns:a16="http://schemas.microsoft.com/office/drawing/2014/main" id="{9E7495AE-F6E1-45A3-884F-08ED1F2C80CF}"/>
+              </a:ext>
+            </a:extLst>
+          </p:cNvPr>
+          <p:cNvSpPr>
+            <a:spLocks noGrp="1"/>
+          </p:cNvSpPr>
+          <p:nvPr>
+            <p:ph type="ctrTitle"/>
+          </p:nvPr>
+        </p:nvSpPr>
+        <p:spPr>
+          <a:xfrm>
+            <a:off x="0" y="200026"/>
+            <a:ext cx="9144000" cy="638174"/>
+          </a:xfrm>
+        </p:spPr>
+        <p:txBody>
+          <a:bodyPr/>
+          <a:lstStyle/>
+          <a:p>
+            <a:pPr algn="l"/>
+            <a:r>
+              <a:rPr lang="fr-FR" dirty="0"/>
+              <a:t>	Jour 2 :</a:t>
+            </a:r>
+          </a:p>
+        </p:txBody>
+      </p:sp>
+      <p:sp>
+        <p:nvSpPr>
+          <p:cNvPr id="4" name="ZoneTexte 3">
+            <a:extLst>
+              <a:ext uri="{FF2B5EF4-FFF2-40B4-BE49-F238E27FC236}">
+                <a16:creationId xmlns:a16="http://schemas.microsoft.com/office/drawing/2014/main" id="{50DA0223-27B6-4065-B532-125DC7631E9D}"/>
+              </a:ext>
+            </a:extLst>
+          </p:cNvPr>
+          <p:cNvSpPr txBox="1"/>
+          <p:nvPr/>
+        </p:nvSpPr>
+        <p:spPr>
+          <a:xfrm>
+            <a:off x="728662" y="1028343"/>
+            <a:ext cx="10734675" cy="4801314"/>
+          </a:xfrm>
+          <a:prstGeom prst="rect">
+            <a:avLst/>
+          </a:prstGeom>
+          <a:noFill/>
+        </p:spPr>
+        <p:txBody>
+          <a:bodyPr wrap="square" rtlCol="0">
+            <a:spAutoFit/>
+          </a:bodyPr>
+          <a:lstStyle/>
+          <a:p>
+            <a:r>
+              <a:rPr lang="fr-FR" dirty="0"/>
+              <a:t>Objectif : Amélioration du système afin de générer plusieurs clients au même moment.</a:t>
+            </a:r>
+          </a:p>
+          <a:p>
+            <a:endParaRPr lang="fr-FR" dirty="0"/>
+          </a:p>
+          <a:p>
+            <a:pPr marL="285750" indent="-285750">
+              <a:buFontTx/>
+              <a:buChar char="-"/>
+            </a:pPr>
+            <a:r>
+              <a:rPr lang="fr-FR" dirty="0"/>
+              <a:t>Pour ce faire, on établira des séries de tests définis en amont afin de répondre aux exigences     projet.</a:t>
+            </a:r>
+          </a:p>
+          <a:p>
+            <a:pPr marL="285750" indent="-285750">
+              <a:buFontTx/>
+              <a:buChar char="-"/>
+            </a:pPr>
+            <a:endParaRPr lang="fr-FR" dirty="0"/>
+          </a:p>
+          <a:p>
+            <a:pPr marL="285750" indent="-285750">
+              <a:buFontTx/>
+              <a:buChar char="-"/>
+            </a:pPr>
+            <a:endParaRPr lang="fr-FR" dirty="0"/>
+          </a:p>
+          <a:p>
+            <a:pPr marL="285750" indent="-285750">
+              <a:buFontTx/>
+              <a:buChar char="-"/>
+            </a:pPr>
+            <a:endParaRPr lang="fr-FR" dirty="0"/>
+          </a:p>
+          <a:p>
+            <a:pPr marL="285750" indent="-285750">
+              <a:buFontTx/>
+              <a:buChar char="-"/>
+            </a:pPr>
+            <a:endParaRPr lang="fr-FR" dirty="0"/>
+          </a:p>
+          <a:p>
+            <a:pPr marL="285750" indent="-285750">
+              <a:buFontTx/>
+              <a:buChar char="-"/>
+            </a:pPr>
+            <a:endParaRPr lang="fr-FR" dirty="0"/>
+          </a:p>
+          <a:p>
+            <a:pPr marL="285750" indent="-285750">
+              <a:buFontTx/>
+              <a:buChar char="-"/>
+            </a:pPr>
+            <a:endParaRPr lang="fr-FR" dirty="0"/>
+          </a:p>
+          <a:p>
+            <a:pPr marL="285750" indent="-285750">
+              <a:buFontTx/>
+              <a:buChar char="-"/>
+            </a:pPr>
+            <a:endParaRPr lang="fr-FR" dirty="0"/>
+          </a:p>
+          <a:p>
+            <a:pPr marL="285750" indent="-285750">
+              <a:buFontTx/>
+              <a:buChar char="-"/>
+            </a:pPr>
+            <a:endParaRPr lang="fr-FR" dirty="0"/>
+          </a:p>
+          <a:p>
+            <a:pPr marL="285750" indent="-285750">
+              <a:buFontTx/>
+              <a:buChar char="-"/>
+            </a:pPr>
+            <a:endParaRPr lang="fr-FR" dirty="0"/>
+          </a:p>
+          <a:p>
+            <a:pPr marL="285750" indent="-285750">
+              <a:buFontTx/>
+              <a:buChar char="-"/>
+            </a:pPr>
+            <a:endParaRPr lang="fr-FR" dirty="0"/>
+          </a:p>
+          <a:p>
+            <a:pPr marL="285750" indent="-285750">
+              <a:buFontTx/>
+              <a:buChar char="-"/>
+            </a:pPr>
+            <a:endParaRPr lang="fr-FR" dirty="0"/>
+          </a:p>
+          <a:p>
+            <a:pPr marL="285750" indent="-285750">
+              <a:buFontTx/>
+              <a:buChar char="-"/>
+            </a:pPr>
+            <a:r>
+              <a:rPr lang="fr-FR" dirty="0"/>
+              <a:t>Fin de la journée :  Envoi d’un compte-rendu à notre client comprenant l’avancement du projet ainsi que les prochaines étapes ainsi qu’une réunion avec l’équipe de développement.</a:t>
+            </a:r>
+          </a:p>
+        </p:txBody>
+      </p:sp>
+      <p:sp>
+        <p:nvSpPr>
+          <p:cNvPr id="5" name="Espace réservé du numéro de diapositive 4">
+            <a:extLst>
+              <a:ext uri="{FF2B5EF4-FFF2-40B4-BE49-F238E27FC236}">
+                <a16:creationId xmlns:a16="http://schemas.microsoft.com/office/drawing/2014/main" id="{0ECB3784-0B6C-4003-8121-2348365C4F09}"/>
+              </a:ext>
+            </a:extLst>
+          </p:cNvPr>
+          <p:cNvSpPr>
+            <a:spLocks noGrp="1"/>
+          </p:cNvSpPr>
+          <p:nvPr>
+            <p:ph type="sldNum" sz="quarter" idx="12"/>
+          </p:nvPr>
+        </p:nvSpPr>
+        <p:spPr/>
+        <p:txBody>
+          <a:bodyPr/>
+          <a:lstStyle/>
+          <a:p>
+            <a:fld id="{B9EAB3BA-07EE-4B64-A177-47C30D775877}" type="slidenum">
+              <a:rPr lang="en-US" smtClean="0"/>
+              <a:t>4</a:t>
             </a:fld>
             <a:endParaRPr lang="en-US"/>
           </a:p>
@@ -2950,7 +3262,7 @@
 </p:sld>
 </file>
 
-<file path=ppt/slides/slide4.xml><?xml version="1.0" encoding="utf-8"?>
+<file path=ppt/slides/slide5.xml><?xml version="1.0" encoding="utf-8"?>
 <p:sld xmlns:a="http://schemas.openxmlformats.org/drawingml/2006/main" xmlns:r="http://schemas.openxmlformats.org/officeDocument/2006/relationships" xmlns:p="http://schemas.openxmlformats.org/presentationml/2006/main">
   <p:cSld>
     <p:spTree>
@@ -3078,7 +3390,7 @@
             </a:pPr>
             <a:r>
               <a:rPr lang="fr-FR" dirty="0"/>
-              <a:t>Préparation des livrables et du produits final.</a:t>
+              <a:t>Préparation des livrables et du produit final.</a:t>
             </a:r>
           </a:p>
           <a:p>
@@ -3129,7 +3441,7 @@
           <a:p>
             <a:fld id="{B9EAB3BA-07EE-4B64-A177-47C30D775877}" type="slidenum">
               <a:rPr lang="en-US" smtClean="0"/>
-              <a:t>4</a:t>
+              <a:t>5</a:t>
             </a:fld>
             <a:endParaRPr lang="en-US"/>
           </a:p>
@@ -3148,7 +3460,7 @@
 </p:sld>
 </file>
 
-<file path=ppt/slides/slide5.xml><?xml version="1.0" encoding="utf-8"?>
+<file path=ppt/slides/slide6.xml><?xml version="1.0" encoding="utf-8"?>
 <p:sld xmlns:a="http://schemas.openxmlformats.org/drawingml/2006/main" xmlns:r="http://schemas.openxmlformats.org/officeDocument/2006/relationships" xmlns:p="http://schemas.openxmlformats.org/presentationml/2006/main">
   <p:cSld>
     <p:spTree>
